--- a/_site/slides/week00/lab.pptx
+++ b/_site/slides/week00/lab.pptx
@@ -308,7 +308,7 @@
             <a:fld id="{241EB5C9-1307-BA42-ABA2-0BC069CD8E7F}" type="datetimeFigureOut">
               <a:rPr lang="en-US" smtClean="0"/>
               <a:pPr/>
-              <a:t>9/24/23</a:t>
+              <a:t>9/26/23</a:t>
             </a:fld>
             <a:endParaRPr lang="en-US" dirty="0"/>
           </a:p>
@@ -651,7 +651,7 @@
             <a:fld id="{241EB5C9-1307-BA42-ABA2-0BC069CD8E7F}" type="datetimeFigureOut">
               <a:rPr lang="en-US" smtClean="0"/>
               <a:pPr/>
-              <a:t>9/24/23</a:t>
+              <a:t>9/26/23</a:t>
             </a:fld>
             <a:endParaRPr lang="en-US"/>
           </a:p>
@@ -969,7 +969,7 @@
             <a:fld id="{241EB5C9-1307-BA42-ABA2-0BC069CD8E7F}" type="datetimeFigureOut">
               <a:rPr lang="en-US" smtClean="0"/>
               <a:pPr/>
-              <a:t>9/24/23</a:t>
+              <a:t>9/26/23</a:t>
             </a:fld>
             <a:endParaRPr lang="en-US"/>
           </a:p>
@@ -1285,7 +1285,7 @@
           <a:p>
             <a:fld id="{241EB5C9-1307-BA42-ABA2-0BC069CD8E7F}" type="datetimeFigureOut">
               <a:rPr lang="en-US" smtClean="0"/>
-              <a:t>9/24/23</a:t>
+              <a:t>9/26/23</a:t>
             </a:fld>
             <a:endParaRPr lang="en-US"/>
           </a:p>
@@ -1631,7 +1631,7 @@
             <a:fld id="{241EB5C9-1307-BA42-ABA2-0BC069CD8E7F}" type="datetimeFigureOut">
               <a:rPr lang="en-US" smtClean="0"/>
               <a:pPr/>
-              <a:t>9/24/23</a:t>
+              <a:t>9/26/23</a:t>
             </a:fld>
             <a:endParaRPr lang="en-US"/>
           </a:p>
@@ -1824,7 +1824,7 @@
           <a:p>
             <a:fld id="{241EB5C9-1307-BA42-ABA2-0BC069CD8E7F}" type="datetimeFigureOut">
               <a:rPr lang="en-US" smtClean="0"/>
-              <a:t>9/24/23</a:t>
+              <a:t>9/26/23</a:t>
             </a:fld>
             <a:endParaRPr lang="en-US"/>
           </a:p>
@@ -2342,7 +2342,7 @@
             <a:fld id="{241EB5C9-1307-BA42-ABA2-0BC069CD8E7F}" type="datetimeFigureOut">
               <a:rPr lang="en-US" smtClean="0"/>
               <a:pPr/>
-              <a:t>9/24/23</a:t>
+              <a:t>9/26/23</a:t>
             </a:fld>
             <a:endParaRPr lang="en-US"/>
           </a:p>
@@ -2995,7 +2995,7 @@
             <a:fld id="{241EB5C9-1307-BA42-ABA2-0BC069CD8E7F}" type="datetimeFigureOut">
               <a:rPr lang="en-US" smtClean="0"/>
               <a:pPr/>
-              <a:t>9/24/23</a:t>
+              <a:t>9/26/23</a:t>
             </a:fld>
             <a:endParaRPr lang="en-US"/>
           </a:p>
@@ -3199,7 +3199,7 @@
             <a:fld id="{241EB5C9-1307-BA42-ABA2-0BC069CD8E7F}" type="datetimeFigureOut">
               <a:rPr lang="en-US" smtClean="0"/>
               <a:pPr/>
-              <a:t>9/24/23</a:t>
+              <a:t>9/26/23</a:t>
             </a:fld>
             <a:endParaRPr lang="en-US"/>
           </a:p>
@@ -3372,7 +3372,7 @@
           <a:p>
             <a:fld id="{241EB5C9-1307-BA42-ABA2-0BC069CD8E7F}" type="datetimeFigureOut">
               <a:rPr lang="en-US" smtClean="0"/>
-              <a:t>9/24/23</a:t>
+              <a:t>9/26/23</a:t>
             </a:fld>
             <a:endParaRPr lang="en-US"/>
           </a:p>
@@ -3791,7 +3791,7 @@
             <a:fld id="{241EB5C9-1307-BA42-ABA2-0BC069CD8E7F}" type="datetimeFigureOut">
               <a:rPr lang="en-US" smtClean="0"/>
               <a:pPr/>
-              <a:t>9/24/23</a:t>
+              <a:t>9/26/23</a:t>
             </a:fld>
             <a:endParaRPr lang="en-US"/>
           </a:p>
@@ -4155,7 +4155,7 @@
             <a:fld id="{241EB5C9-1307-BA42-ABA2-0BC069CD8E7F}" type="datetimeFigureOut">
               <a:rPr lang="en-US" smtClean="0"/>
               <a:pPr/>
-              <a:t>9/24/23</a:t>
+              <a:t>9/26/23</a:t>
             </a:fld>
             <a:endParaRPr lang="en-US"/>
           </a:p>
@@ -4399,7 +4399,7 @@
             <a:fld id="{241EB5C9-1307-BA42-ABA2-0BC069CD8E7F}" type="datetimeFigureOut">
               <a:rPr lang="en-US" smtClean="0"/>
               <a:pPr/>
-              <a:t>9/24/23</a:t>
+              <a:t>9/26/23</a:t>
             </a:fld>
             <a:endParaRPr lang="en-US"/>
           </a:p>

--- a/_site/slides/week00/lab.pptx
+++ b/_site/slides/week00/lab.pptx
@@ -5209,10 +5209,6 @@
             <a:pPr lvl="0" indent="0" marL="1270000">
               <a:buNone/>
             </a:pPr>
-            <a:r>
-              <a:rPr sz="2000" b="1"/>
-              <a:t>Note</a:t>
-            </a:r>
           </a:p>
           <a:p>
             <a:pPr lvl="0" indent="0" marL="1270000">
@@ -5406,7 +5402,7 @@
       </p:sp>
       <p:pic>
         <p:nvPicPr>
-          <p:cNvPr descr="images/Markdown%20example@2x.png" id="0" name="Picture 1"/>
+          <p:cNvPr descr="images/Markdown example@2x.png" id="0" name="Picture 1"/>
           <p:cNvPicPr>
             <a:picLocks noGrp="1" noChangeAspect="1"/>
           </p:cNvPicPr>

--- a/_site/slides/week00/lab.pptx
+++ b/_site/slides/week00/lab.pptx
@@ -13,8 +13,6 @@
     <p:sldId id="261" r:id="rId7"/>
     <p:sldId id="262" r:id="rId8"/>
     <p:sldId id="263" r:id="rId9"/>
-    <p:sldId id="264" r:id="rId10"/>
-    <p:sldId id="265" r:id="rId11"/>
   </p:sldIdLst>
   <p:sldSz cx="12192000" cy="6858000"/>
   <p:notesSz cx="6858000" cy="9144000"/>
@@ -4978,67 +4976,6 @@
 </p:sld>
 </file>
 
-<file path=ppt/slides/slide10.xml><?xml version="1.0" encoding="utf-8"?>
-<p:sld xmlns:a="http://schemas.openxmlformats.org/drawingml/2006/main" xmlns:r="http://schemas.openxmlformats.org/officeDocument/2006/relationships" xmlns:p="http://schemas.openxmlformats.org/presentationml/2006/main">
-  <p:cSld>
-    <p:spTree>
-      <p:nvGrpSpPr>
-        <p:cNvPr id="1" name=""/>
-        <p:cNvGrpSpPr/>
-        <p:nvPr/>
-      </p:nvGrpSpPr>
-      <p:grpSpPr>
-        <a:xfrm>
-          <a:off x="0" y="0"/>
-          <a:ext cx="0" cy="0"/>
-          <a:chOff x="0" y="0"/>
-          <a:chExt cx="0" cy="0"/>
-        </a:xfrm>
-      </p:grpSpPr>
-      <p:sp>
-        <p:nvSpPr>
-          <p:cNvPr id="2" name="Title 1">
-            <a:extLst>
-              <a:ext uri="{FF2B5EF4-FFF2-40B4-BE49-F238E27FC236}">
-                <a16:creationId xmlns:a16="http://schemas.microsoft.com/office/drawing/2014/main" id="{DD9B8E45-0772-954C-8D4B-6E6808DFEDED}"/>
-              </a:ext>
-            </a:extLst>
-          </p:cNvPr>
-          <p:cNvSpPr>
-            <a:spLocks noGrp="1"/>
-          </p:cNvSpPr>
-          <p:nvPr>
-            <p:ph type="title"/>
-          </p:nvPr>
-        </p:nvSpPr>
-        <p:spPr>
-          <a:xfrm>
-            <a:off x="838200" y="365129"/>
-            <a:ext cx="10002520" cy="1325563"/>
-          </a:xfrm>
-          <a:prstGeom prst="rect">
-            <a:avLst/>
-          </a:prstGeom>
-        </p:spPr>
-        <p:txBody>
-          <a:bodyPr/>
-          <a:lstStyle/>
-          <a:p>
-            <a:pPr lvl="0" indent="0" marL="0">
-              <a:buNone/>
-            </a:pPr>
-            <a:r>
-              <a:rPr/>
-              <a:t>References</a:t>
-            </a:r>
-          </a:p>
-        </p:txBody>
-      </p:sp>
-    </p:spTree>
-  </p:cSld>
-</p:sld>
-</file>
-
 <file path=ppt/slides/slide2.xml><?xml version="1.0" encoding="utf-8"?>
 <p:sld xmlns:a="http://schemas.openxmlformats.org/drawingml/2006/main" xmlns:r="http://schemas.openxmlformats.org/officeDocument/2006/relationships" xmlns:p="http://schemas.openxmlformats.org/presentationml/2006/main">
   <p:cSld>
@@ -5209,6 +5146,10 @@
             <a:pPr lvl="0" indent="0" marL="1270000">
               <a:buNone/>
             </a:pPr>
+            <a:r>
+              <a:rPr sz="2000" b="1"/>
+              <a:t>Note</a:t>
+            </a:r>
           </a:p>
           <a:p>
             <a:pPr lvl="0" indent="0" marL="1270000">
@@ -5402,7 +5343,7 @@
       </p:sp>
       <p:pic>
         <p:nvPicPr>
-          <p:cNvPr descr="images/Markdown example@2x.png" id="0" name="Picture 1"/>
+          <p:cNvPr descr="images/Markdown%20example@2x.png" id="0" name="Picture 1"/>
           <p:cNvPicPr>
             <a:picLocks noGrp="1" noChangeAspect="1"/>
           </p:cNvPicPr>
@@ -5667,7 +5608,7 @@
           <p:cNvPr id="2" name="Title 1">
             <a:extLst>
               <a:ext uri="{FF2B5EF4-FFF2-40B4-BE49-F238E27FC236}">
-                <a16:creationId xmlns:a16="http://schemas.microsoft.com/office/drawing/2014/main" id="{F3186003-B489-CA46-A95C-C1AECC0CA4D3}"/>
+                <a16:creationId xmlns:a16="http://schemas.microsoft.com/office/drawing/2014/main" id="{DD9B8E45-0772-954C-8D4B-6E6808DFEDED}"/>
               </a:ext>
             </a:extLst>
           </p:cNvPr>
@@ -5680,8 +5621,8 @@
         </p:nvSpPr>
         <p:spPr>
           <a:xfrm>
-            <a:off x="839788" y="457200"/>
-            <a:ext cx="3932237" cy="1600200"/>
+            <a:off x="838200" y="365129"/>
+            <a:ext cx="10002520" cy="1325563"/>
           </a:xfrm>
           <a:prstGeom prst="rect">
             <a:avLst/>
@@ -5703,18 +5644,18 @@
       </p:sp>
       <p:sp>
         <p:nvSpPr>
-          <p:cNvPr id="4" name="Text Placeholder 3">
-            <a:extLst>
-              <a:ext uri="{FF2B5EF4-FFF2-40B4-BE49-F238E27FC236}">
-                <a16:creationId xmlns:a16="http://schemas.microsoft.com/office/drawing/2014/main" id="{898BA411-2A54-A94A-B3FC-826281DBEADF}"/>
-              </a:ext>
-            </a:extLst>
-          </p:cNvPr>
-          <p:cNvSpPr>
-            <a:spLocks noGrp="1"/>
-          </p:cNvSpPr>
-          <p:nvPr>
-            <p:ph idx="2" sz="half" type="body"/>
+          <p:cNvPr id="3" name="Content Placeholder 2">
+            <a:extLst>
+              <a:ext uri="{FF2B5EF4-FFF2-40B4-BE49-F238E27FC236}">
+                <a16:creationId xmlns:a16="http://schemas.microsoft.com/office/drawing/2014/main" id="{A4EB24F9-04F1-C843-9D71-56C5C024552B}"/>
+              </a:ext>
+            </a:extLst>
+          </p:cNvPr>
+          <p:cNvSpPr>
+            <a:spLocks noGrp="1"/>
+          </p:cNvSpPr>
+          <p:nvPr>
+            <p:ph idx="1"/>
           </p:nvPr>
         </p:nvSpPr>
         <p:spPr/>
@@ -5735,88 +5676,6 @@
       <p:pic>
         <p:nvPicPr>
           <p:cNvPr descr="images/124.png" id="0" name="Picture 1"/>
-          <p:cNvPicPr>
-            <a:picLocks noGrp="1" noChangeAspect="1"/>
-          </p:cNvPicPr>
-          <p:nvPr/>
-        </p:nvPicPr>
-        <p:blipFill>
-          <a:blip r:embed="rId2"/>
-          <a:stretch>
-            <a:fillRect/>
-          </a:stretch>
-        </p:blipFill>
-        <p:spPr bwMode="auto">
-          <a:xfrm>
-            <a:off x="5181600" y="1092200"/>
-            <a:ext cx="6172200" cy="4114800"/>
-          </a:xfrm>
-          <a:prstGeom prst="rect">
-            <a:avLst/>
-          </a:prstGeom>
-          <a:noFill/>
-          <a:ln w="9525">
-            <a:noFill/>
-            <a:headEnd/>
-            <a:tailEnd/>
-          </a:ln>
-        </p:spPr>
-      </p:pic>
-      <p:sp>
-        <p:nvSpPr>
-          <p:cNvPr id="1" name="TextBox 3"/>
-          <p:cNvSpPr txBox="1"/>
-          <p:nvPr/>
-        </p:nvSpPr>
-        <p:spPr>
-          <a:xfrm>
-            <a:off x="5181600" y="5334000"/>
-            <a:ext cx="6172200" cy="508000"/>
-          </a:xfrm>
-          <a:prstGeom prst="rect">
-            <a:avLst/>
-          </a:prstGeom>
-          <a:noFill/>
-        </p:spPr>
-        <p:txBody>
-          <a:bodyPr/>
-          <a:lstStyle/>
-          <a:p>
-            <a:pPr lvl="0" indent="0" marL="0" algn="ctr">
-              <a:buNone/>
-            </a:pPr>
-            <a:r>
-              <a:rPr/>
-              <a:t>Sir Dougal</a:t>
-            </a:r>
-          </a:p>
-        </p:txBody>
-      </p:sp>
-    </p:spTree>
-  </p:cSld>
-</p:sld>
-</file>
-
-<file path=ppt/slides/slide8.xml><?xml version="1.0" encoding="utf-8"?>
-<p:sld xmlns:a="http://schemas.openxmlformats.org/drawingml/2006/main" xmlns:r="http://schemas.openxmlformats.org/officeDocument/2006/relationships" xmlns:p="http://schemas.openxmlformats.org/presentationml/2006/main">
-  <p:cSld>
-    <p:spTree>
-      <p:nvGrpSpPr>
-        <p:cNvPr id="1" name=""/>
-        <p:cNvGrpSpPr/>
-        <p:nvPr/>
-      </p:nvGrpSpPr>
-      <p:grpSpPr>
-        <a:xfrm>
-          <a:off x="0" y="0"/>
-          <a:ext cx="0" cy="0"/>
-          <a:chOff x="0" y="0"/>
-          <a:chExt cx="0" cy="0"/>
-        </a:xfrm>
-      </p:grpSpPr>
-      <p:pic>
-        <p:nvPicPr>
-          <p:cNvPr descr="images/110.png" id="0" name="Picture 1"/>
           <p:cNvPicPr>
             <a:picLocks noGrp="1" noChangeAspect="1"/>
           </p:cNvPicPr>
@@ -5869,43 +5728,21 @@
             </a:pPr>
             <a:r>
               <a:rPr/>
-              <a:t>SpaceCatDougal!</a:t>
-            </a:r>
-          </a:p>
-        </p:txBody>
-      </p:sp>
-    </p:spTree>
-  </p:cSld>
-</p:sld>
-</file>
-
-<file path=ppt/slides/slide9.xml><?xml version="1.0" encoding="utf-8"?>
-<p:sld xmlns:a="http://schemas.openxmlformats.org/drawingml/2006/main" xmlns:r="http://schemas.openxmlformats.org/officeDocument/2006/relationships" xmlns:p="http://schemas.openxmlformats.org/presentationml/2006/main">
-  <p:cSld>
-    <p:spTree>
-      <p:nvGrpSpPr>
-        <p:cNvPr id="1" name=""/>
-        <p:cNvGrpSpPr/>
-        <p:nvPr/>
-      </p:nvGrpSpPr>
-      <p:grpSpPr>
-        <a:xfrm>
-          <a:off x="0" y="0"/>
-          <a:ext cx="0" cy="0"/>
-          <a:chOff x="0" y="0"/>
-          <a:chExt cx="0" cy="0"/>
-        </a:xfrm>
-      </p:grpSpPr>
+              <a:t>Sir Dougal</a:t>
+            </a:r>
+          </a:p>
+        </p:txBody>
+      </p:sp>
       <p:pic>
         <p:nvPicPr>
-          <p:cNvPr descr="images/183.png" id="0" name="Picture 1"/>
+          <p:cNvPr descr="images/110.png" id="0" name="Picture 1"/>
           <p:cNvPicPr>
             <a:picLocks noGrp="1" noChangeAspect="1"/>
           </p:cNvPicPr>
           <p:nvPr/>
         </p:nvPicPr>
         <p:blipFill>
-          <a:blip r:embed="rId2"/>
+          <a:blip r:embed="rId3"/>
           <a:stretch>
             <a:fillRect/>
           </a:stretch>
@@ -5951,7 +5788,128 @@
             </a:pPr>
             <a:r>
               <a:rPr/>
+              <a:t>SpaceCatDougal!</a:t>
+            </a:r>
+          </a:p>
+        </p:txBody>
+      </p:sp>
+      <p:pic>
+        <p:nvPicPr>
+          <p:cNvPr descr="images/183.png" id="0" name="Picture 1"/>
+          <p:cNvPicPr>
+            <a:picLocks noGrp="1" noChangeAspect="1"/>
+          </p:cNvPicPr>
+          <p:nvPr/>
+        </p:nvPicPr>
+        <p:blipFill>
+          <a:blip r:embed="rId4"/>
+          <a:stretch>
+            <a:fillRect/>
+          </a:stretch>
+        </p:blipFill>
+        <p:spPr bwMode="auto">
+          <a:xfrm>
+            <a:off x="3225800" y="1816100"/>
+            <a:ext cx="5753100" cy="3835400"/>
+          </a:xfrm>
+          <a:prstGeom prst="rect">
+            <a:avLst/>
+          </a:prstGeom>
+          <a:noFill/>
+          <a:ln w="9525">
+            <a:noFill/>
+            <a:headEnd/>
+            <a:tailEnd/>
+          </a:ln>
+        </p:spPr>
+      </p:pic>
+      <p:sp>
+        <p:nvSpPr>
+          <p:cNvPr id="1" name="TextBox 3"/>
+          <p:cNvSpPr txBox="1"/>
+          <p:nvPr/>
+        </p:nvSpPr>
+        <p:spPr>
+          <a:xfrm>
+            <a:off x="838200" y="5651500"/>
+            <a:ext cx="10515600" cy="508000"/>
+          </a:xfrm>
+          <a:prstGeom prst="rect">
+            <a:avLst/>
+          </a:prstGeom>
+          <a:noFill/>
+        </p:spPr>
+        <p:txBody>
+          <a:bodyPr/>
+          <a:lstStyle/>
+          <a:p>
+            <a:pPr lvl="0" indent="0" marL="0" algn="ctr">
+              <a:buNone/>
+            </a:pPr>
+            <a:r>
+              <a:rPr/>
               <a:t>Dougal with a laser gun!</a:t>
+            </a:r>
+          </a:p>
+        </p:txBody>
+      </p:sp>
+    </p:spTree>
+  </p:cSld>
+</p:sld>
+</file>
+
+<file path=ppt/slides/slide8.xml><?xml version="1.0" encoding="utf-8"?>
+<p:sld xmlns:a="http://schemas.openxmlformats.org/drawingml/2006/main" xmlns:r="http://schemas.openxmlformats.org/officeDocument/2006/relationships" xmlns:p="http://schemas.openxmlformats.org/presentationml/2006/main">
+  <p:cSld>
+    <p:spTree>
+      <p:nvGrpSpPr>
+        <p:cNvPr id="1" name=""/>
+        <p:cNvGrpSpPr/>
+        <p:nvPr/>
+      </p:nvGrpSpPr>
+      <p:grpSpPr>
+        <a:xfrm>
+          <a:off x="0" y="0"/>
+          <a:ext cx="0" cy="0"/>
+          <a:chOff x="0" y="0"/>
+          <a:chExt cx="0" cy="0"/>
+        </a:xfrm>
+      </p:grpSpPr>
+      <p:sp>
+        <p:nvSpPr>
+          <p:cNvPr id="2" name="Title 1">
+            <a:extLst>
+              <a:ext uri="{FF2B5EF4-FFF2-40B4-BE49-F238E27FC236}">
+                <a16:creationId xmlns:a16="http://schemas.microsoft.com/office/drawing/2014/main" id="{DD9B8E45-0772-954C-8D4B-6E6808DFEDED}"/>
+              </a:ext>
+            </a:extLst>
+          </p:cNvPr>
+          <p:cNvSpPr>
+            <a:spLocks noGrp="1"/>
+          </p:cNvSpPr>
+          <p:nvPr>
+            <p:ph type="title"/>
+          </p:nvPr>
+        </p:nvSpPr>
+        <p:spPr>
+          <a:xfrm>
+            <a:off x="838200" y="365129"/>
+            <a:ext cx="10002520" cy="1325563"/>
+          </a:xfrm>
+          <a:prstGeom prst="rect">
+            <a:avLst/>
+          </a:prstGeom>
+        </p:spPr>
+        <p:txBody>
+          <a:bodyPr/>
+          <a:lstStyle/>
+          <a:p>
+            <a:pPr lvl="0" indent="0" marL="0">
+              <a:buNone/>
+            </a:pPr>
+            <a:r>
+              <a:rPr/>
+              <a:t>References</a:t>
             </a:r>
           </a:p>
         </p:txBody>
